--- a/del2/dbt_intro.pptx
+++ b/del2/dbt_intro.pptx
@@ -219,7 +219,7 @@
           <a:p>
             <a:fld id="{F5CCFF00-D096-6448-99A9-1B5E392E5640}" type="datetimeFigureOut">
               <a:rPr lang="nb-NO" smtClean="0"/>
-              <a:t>09.01.2023</a:t>
+              <a:t>27.01.2023</a:t>
             </a:fld>
             <a:endParaRPr lang="nb-NO"/>
           </a:p>
@@ -10897,7 +10897,7 @@
           <a:p>
             <a:r>
               <a:rPr lang="nb-NO" b="1" dirty="0"/>
-              <a:t>Inkrementelle modeller: </a:t>
+              <a:t>Inkrementelle tabeller: </a:t>
             </a:r>
             <a:r>
               <a:rPr lang="nb-NO" dirty="0" err="1"/>
@@ -11060,6 +11060,10 @@
           </a:p>
           <a:p>
             <a:r>
+              <a:rPr lang="nb-NO" noProof="0" dirty="0"/>
+              <a:t>(</a:t>
+            </a:r>
+            <a:r>
               <a:rPr lang="nb-NO" noProof="0" dirty="0" err="1"/>
               <a:t>Kompilér</a:t>
             </a:r>
@@ -11081,13 +11085,13 @@
             </a:r>
             <a:r>
               <a:rPr lang="nb-NO" noProof="0" dirty="0"/>
-              <a:t>)</a:t>
+              <a:t>))</a:t>
             </a:r>
           </a:p>
           <a:p>
             <a:r>
               <a:rPr lang="nb-NO" dirty="0"/>
-              <a:t>Kjør enhetstester 				(</a:t>
+              <a:t>(Kjør enhetstester 				(</a:t>
             </a:r>
             <a:r>
               <a:rPr lang="nb-NO" dirty="0" err="1"/>
@@ -11095,7 +11099,7 @@
             </a:r>
             <a:r>
               <a:rPr lang="nb-NO" dirty="0"/>
-              <a:t> test)</a:t>
+              <a:t> test))</a:t>
             </a:r>
           </a:p>
           <a:p>
@@ -11105,15 +11109,7 @@
             </a:r>
             <a:r>
               <a:rPr lang="nb-NO" noProof="0" dirty="0"/>
-              <a:t> modeller til ditt </a:t>
-            </a:r>
-            <a:r>
-              <a:rPr lang="nb-NO" noProof="0" dirty="0" err="1"/>
-              <a:t>sandboxmiljø</a:t>
-            </a:r>
-            <a:r>
-              <a:rPr lang="nb-NO" noProof="0" dirty="0"/>
-              <a:t> 		(</a:t>
+              <a:t> modeller				(</a:t>
             </a:r>
             <a:r>
               <a:rPr lang="nb-NO" noProof="0" dirty="0" err="1"/>
@@ -11127,7 +11123,7 @@
           <a:p>
             <a:r>
               <a:rPr lang="nb-NO" noProof="0" dirty="0"/>
-              <a:t>Kjør datatester 				(</a:t>
+              <a:t>Kjør tester 					(</a:t>
             </a:r>
             <a:r>
               <a:rPr lang="nb-NO" noProof="0" dirty="0" err="1"/>
@@ -11542,36 +11538,6 @@
       </p:pic>
       <p:pic>
         <p:nvPicPr>
-          <p:cNvPr id="6" name="Picture 5">
-            <a:extLst>
-              <a:ext uri="{FF2B5EF4-FFF2-40B4-BE49-F238E27FC236}">
-                <a16:creationId xmlns:a16="http://schemas.microsoft.com/office/drawing/2014/main" id="{34B5C48B-D194-2339-4EA2-6F8EBFD1922E}"/>
-              </a:ext>
-            </a:extLst>
-          </p:cNvPr>
-          <p:cNvPicPr>
-            <a:picLocks noChangeAspect="1"/>
-          </p:cNvPicPr>
-          <p:nvPr/>
-        </p:nvPicPr>
-        <p:blipFill>
-          <a:blip r:embed="rId3"/>
-          <a:stretch>
-            <a:fillRect/>
-          </a:stretch>
-        </p:blipFill>
-        <p:spPr>
-          <a:xfrm>
-            <a:off x="548553" y="2582240"/>
-            <a:ext cx="4374486" cy="783575"/>
-          </a:xfrm>
-          <a:prstGeom prst="rect">
-            <a:avLst/>
-          </a:prstGeom>
-        </p:spPr>
-      </p:pic>
-      <p:pic>
-        <p:nvPicPr>
           <p:cNvPr id="7" name="Picture 6">
             <a:extLst>
               <a:ext uri="{FF2B5EF4-FFF2-40B4-BE49-F238E27FC236}">
@@ -11585,7 +11551,7 @@
           <p:nvPr/>
         </p:nvPicPr>
         <p:blipFill>
-          <a:blip r:embed="rId4"/>
+          <a:blip r:embed="rId3"/>
           <a:stretch>
             <a:fillRect/>
           </a:stretch>
@@ -11615,7 +11581,7 @@
           <p:nvPr/>
         </p:nvPicPr>
         <p:blipFill>
-          <a:blip r:embed="rId5"/>
+          <a:blip r:embed="rId4"/>
           <a:stretch>
             <a:fillRect/>
           </a:stretch>
@@ -11851,7 +11817,7 @@
             <a:pPr lvl="1"/>
             <a:r>
               <a:rPr lang="nb-NO" noProof="0" dirty="0"/>
-              <a:t>Tabeller</a:t>
+              <a:t>Tabeller (lagret strukturert data som resultat av spørring)</a:t>
             </a:r>
           </a:p>
           <a:p>
@@ -11860,7 +11826,10 @@
               <a:rPr lang="nb-NO" noProof="0" dirty="0" err="1"/>
               <a:t>Views</a:t>
             </a:r>
-            <a:endParaRPr lang="nb-NO" noProof="0" dirty="0"/>
+            <a:r>
+              <a:rPr lang="nb-NO" noProof="0" dirty="0"/>
+              <a:t> (lagret spørring)</a:t>
+            </a:r>
           </a:p>
           <a:p>
             <a:pPr lvl="1"/>
@@ -11872,7 +11841,7 @@
           <a:p>
             <a:r>
               <a:rPr lang="nb-NO" noProof="0" dirty="0"/>
-              <a:t>Gir bedre (grafisk) oversikt over alle transformasjoner</a:t>
+              <a:t>Gir bedre (grafisk) dokumentasjon over alle transformasjoner</a:t>
             </a:r>
           </a:p>
           <a:p>
@@ -11912,6 +11881,35 @@
             <a:r>
               <a:rPr lang="nb-NO" noProof="0" dirty="0"/>
               <a:t> logikken i hver transformasjon</a:t>
+            </a:r>
+          </a:p>
+          <a:p>
+            <a:endParaRPr lang="nb-NO" dirty="0"/>
+          </a:p>
+          <a:p>
+            <a:r>
+              <a:rPr lang="nb-NO" noProof="0" dirty="0" err="1"/>
+              <a:t>dbt</a:t>
+            </a:r>
+            <a:r>
+              <a:rPr lang="nb-NO" noProof="0" dirty="0"/>
+              <a:t> er et kommandolinjeverktøy (finnes som </a:t>
+            </a:r>
+            <a:r>
+              <a:rPr lang="nb-NO" noProof="0" dirty="0" err="1"/>
+              <a:t>dbt</a:t>
+            </a:r>
+            <a:r>
+              <a:rPr lang="nb-NO" noProof="0" dirty="0"/>
+              <a:t> </a:t>
+            </a:r>
+            <a:r>
+              <a:rPr lang="nb-NO" noProof="0" dirty="0" err="1"/>
+              <a:t>cloud</a:t>
+            </a:r>
+            <a:r>
+              <a:rPr lang="nb-NO" noProof="0" dirty="0"/>
+              <a:t> også...)</a:t>
             </a:r>
           </a:p>
         </p:txBody>
@@ -11939,7 +11937,15 @@
           <a:p>
             <a:r>
               <a:rPr lang="nb-NO" noProof="0" dirty="0"/>
-              <a:t>Hva gjør DBT?</a:t>
+              <a:t>Hva gjør </a:t>
+            </a:r>
+            <a:r>
+              <a:rPr lang="nb-NO" dirty="0" err="1"/>
+              <a:t>dbt</a:t>
+            </a:r>
+            <a:r>
+              <a:rPr lang="nb-NO" noProof="0" dirty="0"/>
+              <a:t>?</a:t>
             </a:r>
           </a:p>
         </p:txBody>
@@ -12016,12 +12022,20 @@
         </p:nvSpPr>
         <p:spPr>
           <a:xfrm>
-            <a:off x="1493658" y="919319"/>
+            <a:off x="1975242" y="947836"/>
             <a:ext cx="1592685" cy="270030"/>
           </a:xfrm>
           <a:prstGeom prst="rect">
             <a:avLst/>
           </a:prstGeom>
+          <a:solidFill>
+            <a:srgbClr val="92D050"/>
+          </a:solidFill>
+          <a:ln>
+            <a:solidFill>
+              <a:schemeClr val="tx1"/>
+            </a:solidFill>
+          </a:ln>
         </p:spPr>
         <p:style>
           <a:lnRef idx="2">
@@ -12045,12 +12059,8 @@
           <a:p>
             <a:pPr algn="ctr"/>
             <a:r>
-              <a:rPr lang="nb-NO" sz="1013" dirty="0" err="1"/>
-              <a:t>nvdb_bru</a:t>
-            </a:r>
-            <a:r>
               <a:rPr lang="nb-NO" sz="1013" dirty="0"/>
-              <a:t> (</a:t>
+              <a:t>bru (</a:t>
             </a:r>
             <a:r>
               <a:rPr lang="nb-NO" sz="1013" dirty="0" err="1"/>
@@ -12138,12 +12148,20 @@
         </p:nvSpPr>
         <p:spPr>
           <a:xfrm>
-            <a:off x="4626006" y="919319"/>
+            <a:off x="4265420" y="954060"/>
             <a:ext cx="2186751" cy="270030"/>
           </a:xfrm>
           <a:prstGeom prst="rect">
             <a:avLst/>
           </a:prstGeom>
+          <a:solidFill>
+            <a:srgbClr val="92D050"/>
+          </a:solidFill>
+          <a:ln>
+            <a:solidFill>
+              <a:schemeClr val="tx1"/>
+            </a:solidFill>
+          </a:ln>
         </p:spPr>
         <p:style>
           <a:lnRef idx="2">
@@ -12168,7 +12186,7 @@
             <a:pPr algn="ctr"/>
             <a:r>
               <a:rPr lang="nb-NO" sz="1013" dirty="0"/>
-              <a:t>oppetid-hendelser (</a:t>
+              <a:t>hendelser (</a:t>
             </a:r>
             <a:r>
               <a:rPr lang="nb-NO" sz="1013" dirty="0" err="1"/>
@@ -12199,8 +12217,8 @@
         </p:nvCxnSpPr>
         <p:spPr>
           <a:xfrm>
-            <a:off x="2290000" y="1189349"/>
-            <a:ext cx="1741940" cy="762712"/>
+            <a:off x="2771585" y="1217866"/>
+            <a:ext cx="1260355" cy="734194"/>
           </a:xfrm>
           <a:prstGeom prst="straightConnector1">
             <a:avLst/>
@@ -12242,8 +12260,8 @@
         </p:nvCxnSpPr>
         <p:spPr>
           <a:xfrm flipH="1">
-            <a:off x="4031940" y="1189349"/>
-            <a:ext cx="1687442" cy="762712"/>
+            <a:off x="4031940" y="1224090"/>
+            <a:ext cx="1326856" cy="727970"/>
           </a:xfrm>
           <a:prstGeom prst="straightConnector1">
             <a:avLst/>
@@ -12354,11 +12372,11 @@
             <a:pPr algn="ctr"/>
             <a:r>
               <a:rPr lang="nb-NO" sz="1013" dirty="0" err="1"/>
-              <a:t>PowerBI</a:t>
+              <a:t>Looker</a:t>
             </a:r>
             <a:r>
               <a:rPr lang="nb-NO" sz="1013" dirty="0"/>
-              <a:t>-rapport (</a:t>
+              <a:t> Studio (</a:t>
             </a:r>
             <a:r>
               <a:rPr lang="nb-NO" sz="1013" dirty="0" err="1"/>
@@ -12415,7 +12433,7 @@
             <a:pPr algn="ctr"/>
             <a:r>
               <a:rPr lang="nb-NO" sz="1013" dirty="0" err="1"/>
-              <a:t>id_is_unique</a:t>
+              <a:t>bru_hendelse_unik</a:t>
             </a:r>
             <a:r>
               <a:rPr lang="nb-NO" sz="1013" dirty="0"/>
@@ -12829,7 +12847,7 @@
         <p:spPr>
           <a:xfrm>
             <a:off x="629562" y="4220366"/>
-            <a:ext cx="2309238" cy="559961"/>
+            <a:ext cx="2138022" cy="559961"/>
           </a:xfrm>
           <a:prstGeom prst="rect">
             <a:avLst/>
@@ -13212,14 +13230,19 @@
             <p:ph idx="1"/>
           </p:nvPr>
         </p:nvSpPr>
-        <p:spPr/>
+        <p:spPr>
+          <a:xfrm>
+            <a:off x="255591" y="668905"/>
+            <a:ext cx="8632817" cy="4217964"/>
+          </a:xfrm>
+        </p:spPr>
         <p:txBody>
           <a:bodyPr/>
           <a:lstStyle/>
           <a:p>
-            <a:endParaRPr lang="nb-NO" dirty="0"/>
-          </a:p>
-          <a:p>
+            <a:pPr marL="0" indent="0">
+              <a:buNone/>
+            </a:pPr>
             <a:endParaRPr lang="nb-NO" dirty="0"/>
           </a:p>
           <a:p>
@@ -13325,6 +13348,34 @@
             <a:r>
               <a:rPr lang="nb-NO" dirty="0" err="1"/>
               <a:t>Schedules</a:t>
+            </a:r>
+            <a:endParaRPr lang="nb-NO" dirty="0"/>
+          </a:p>
+          <a:p>
+            <a:pPr lvl="1"/>
+            <a:r>
+              <a:rPr lang="nb-NO" dirty="0"/>
+              <a:t>På GCP: </a:t>
+            </a:r>
+            <a:r>
+              <a:rPr lang="nb-NO" dirty="0" err="1"/>
+              <a:t>Cloud</a:t>
+            </a:r>
+            <a:r>
+              <a:rPr lang="nb-NO" dirty="0"/>
+              <a:t> Composer = </a:t>
+            </a:r>
+            <a:r>
+              <a:rPr lang="nb-NO" dirty="0" err="1"/>
+              <a:t>managed</a:t>
+            </a:r>
+            <a:r>
+              <a:rPr lang="nb-NO" dirty="0"/>
+              <a:t> </a:t>
+            </a:r>
+            <a:r>
+              <a:rPr lang="nb-NO" dirty="0" err="1"/>
+              <a:t>Airflow</a:t>
             </a:r>
             <a:endParaRPr lang="nb-NO" dirty="0"/>
           </a:p>
